--- a/presentations/IWLS18.pptx
+++ b/presentations/IWLS18.pptx
@@ -9252,7 +9252,7 @@
                 <a16:creationId xmlns:a16="http://schemas.microsoft.com/office/drawing/2014/main" id="{41F18803-BE79-4916-AE6B-5DE238B367F0}"/>
               </a:ext>
               <a:ext uri="{C183D7F6-B498-43B3-948B-1728B52AA6E4}">
-                <adec:decorative xmlns="" xmlns:adec="http://schemas.microsoft.com/office/drawing/2017/decorative" val="1"/>
+                <adec:decorative xmlns:adec="http://schemas.microsoft.com/office/drawing/2017/decorative" xmlns="" val="1"/>
               </a:ext>
             </a:extLst>
           </p:cNvPr>
@@ -9438,7 +9438,7 @@
                 <a16:creationId xmlns:a16="http://schemas.microsoft.com/office/drawing/2014/main" id="{C15229F3-7A2E-4558-98FE-7A5F69409DCE}"/>
               </a:ext>
               <a:ext uri="{C183D7F6-B498-43B3-948B-1728B52AA6E4}">
-                <adec:decorative xmlns="" xmlns:adec="http://schemas.microsoft.com/office/drawing/2017/decorative" val="1"/>
+                <adec:decorative xmlns:adec="http://schemas.microsoft.com/office/drawing/2017/decorative" xmlns="" val="1"/>
               </a:ext>
             </a:extLst>
           </p:cNvPr>
